--- a/curs/curs-2.pptx
+++ b/curs/curs-2.pptx
@@ -37,7 +37,8 @@
     <p:sldId id="285" r:id="rId31"/>
     <p:sldId id="286" r:id="rId32"/>
     <p:sldId id="287" r:id="rId33"/>
-    <p:sldId id="288" r:id="rId34"/>
+    <p:sldId id="289" r:id="rId34"/>
+    <p:sldId id="288" r:id="rId35"/>
   </p:sldIdLst>
   <p:sldSz cx="9144000" cy="6858000" type="screen4x3"/>
   <p:notesSz cx="6858000" cy="9144000"/>
@@ -432,7 +433,7 @@
             <a:fld id="{23A271A1-F6D6-438B-A432-4747EE7ECD40}" type="datetimeFigureOut">
               <a:rPr lang="en-US" smtClean="0"/>
               <a:pPr algn="ctr" eaLnBrk="1" latinLnBrk="0" hangingPunct="1"/>
-              <a:t>10/15/14</a:t>
+              <a:t>10/16/14</a:t>
             </a:fld>
             <a:endParaRPr lang="en-US" sz="2000" dirty="0">
               <a:solidFill>
@@ -639,7 +640,7 @@
             <a:fld id="{23A271A1-F6D6-438B-A432-4747EE7ECD40}" type="datetimeFigureOut">
               <a:rPr lang="en-US" smtClean="0"/>
               <a:pPr eaLnBrk="1" latinLnBrk="0" hangingPunct="1"/>
-              <a:t>10/15/14</a:t>
+              <a:t>10/16/14</a:t>
             </a:fld>
             <a:endParaRPr lang="en-US"/>
           </a:p>
@@ -827,7 +828,7 @@
             <a:fld id="{23A271A1-F6D6-438B-A432-4747EE7ECD40}" type="datetimeFigureOut">
               <a:rPr lang="en-US" smtClean="0"/>
               <a:pPr eaLnBrk="1" latinLnBrk="0" hangingPunct="1"/>
-              <a:t>10/15/14</a:t>
+              <a:t>10/16/14</a:t>
             </a:fld>
             <a:endParaRPr lang="en-US" dirty="0"/>
           </a:p>
@@ -1093,7 +1094,7 @@
             <a:fld id="{23A271A1-F6D6-438B-A432-4747EE7ECD40}" type="datetimeFigureOut">
               <a:rPr lang="en-US" smtClean="0"/>
               <a:pPr eaLnBrk="1" latinLnBrk="0" hangingPunct="1"/>
-              <a:t>10/15/14</a:t>
+              <a:t>10/16/14</a:t>
             </a:fld>
             <a:endParaRPr lang="en-US" dirty="0"/>
           </a:p>
@@ -1516,7 +1517,7 @@
             <a:fld id="{23A271A1-F6D6-438B-A432-4747EE7ECD40}" type="datetimeFigureOut">
               <a:rPr lang="en-US" smtClean="0"/>
               <a:pPr eaLnBrk="1" latinLnBrk="0" hangingPunct="1"/>
-              <a:t>10/15/14</a:t>
+              <a:t>10/16/14</a:t>
             </a:fld>
             <a:endParaRPr lang="en-US"/>
           </a:p>
@@ -1766,7 +1767,7 @@
             <a:fld id="{23A271A1-F6D6-438B-A432-4747EE7ECD40}" type="datetimeFigureOut">
               <a:rPr lang="en-US" smtClean="0"/>
               <a:pPr eaLnBrk="1" latinLnBrk="0" hangingPunct="1"/>
-              <a:t>10/15/14</a:t>
+              <a:t>10/16/14</a:t>
             </a:fld>
             <a:endParaRPr lang="en-US"/>
           </a:p>
@@ -2006,7 +2007,7 @@
             <a:fld id="{23A271A1-F6D6-438B-A432-4747EE7ECD40}" type="datetimeFigureOut">
               <a:rPr lang="en-US" smtClean="0"/>
               <a:pPr eaLnBrk="1" latinLnBrk="0" hangingPunct="1"/>
-              <a:t>10/15/14</a:t>
+              <a:t>10/16/14</a:t>
             </a:fld>
             <a:endParaRPr lang="en-US"/>
           </a:p>
@@ -2205,7 +2206,7 @@
             <a:fld id="{23A271A1-F6D6-438B-A432-4747EE7ECD40}" type="datetimeFigureOut">
               <a:rPr lang="en-US" smtClean="0"/>
               <a:pPr eaLnBrk="1" latinLnBrk="0" hangingPunct="1"/>
-              <a:t>10/15/14</a:t>
+              <a:t>10/16/14</a:t>
             </a:fld>
             <a:endParaRPr lang="en-US"/>
           </a:p>
@@ -2310,7 +2311,7 @@
             <a:fld id="{23A271A1-F6D6-438B-A432-4747EE7ECD40}" type="datetimeFigureOut">
               <a:rPr lang="en-US" smtClean="0"/>
               <a:pPr eaLnBrk="1" latinLnBrk="0" hangingPunct="1"/>
-              <a:t>10/15/14</a:t>
+              <a:t>10/16/14</a:t>
             </a:fld>
             <a:endParaRPr lang="en-US"/>
           </a:p>
@@ -2453,7 +2454,7 @@
             <a:fld id="{23A271A1-F6D6-438B-A432-4747EE7ECD40}" type="datetimeFigureOut">
               <a:rPr lang="en-US" smtClean="0"/>
               <a:pPr eaLnBrk="1" latinLnBrk="0" hangingPunct="1"/>
-              <a:t>10/15/14</a:t>
+              <a:t>10/16/14</a:t>
             </a:fld>
             <a:endParaRPr lang="en-US"/>
           </a:p>
@@ -2978,7 +2979,7 @@
             <a:fld id="{23A271A1-F6D6-438B-A432-4747EE7ECD40}" type="datetimeFigureOut">
               <a:rPr lang="en-US" smtClean="0"/>
               <a:pPr eaLnBrk="1" latinLnBrk="0" hangingPunct="1"/>
-              <a:t>10/15/14</a:t>
+              <a:t>10/16/14</a:t>
             </a:fld>
             <a:endParaRPr lang="en-US"/>
           </a:p>
@@ -3243,7 +3244,7 @@
             <a:fld id="{23A271A1-F6D6-438B-A432-4747EE7ECD40}" type="datetimeFigureOut">
               <a:rPr lang="en-US" smtClean="0"/>
               <a:pPr eaLnBrk="1" latinLnBrk="0" hangingPunct="1"/>
-              <a:t>10/15/14</a:t>
+              <a:t>10/16/14</a:t>
             </a:fld>
             <a:endParaRPr lang="en-US" sz="1400" dirty="0">
               <a:solidFill>
@@ -9601,6 +9602,420 @@
           <a:p>
             <a:r>
               <a:rPr lang="en-US" dirty="0" err="1" smtClean="0"/>
+              <a:t>AutoScalare</a:t>
+            </a:r>
+            <a:r>
+              <a:rPr lang="en-US" dirty="0" smtClean="0"/>
+              <a:t>: AWS</a:t>
+            </a:r>
+            <a:endParaRPr lang="en-US" dirty="0"/>
+          </a:p>
+        </p:txBody>
+      </p:sp>
+      <p:sp>
+        <p:nvSpPr>
+          <p:cNvPr id="3" name="Content Placeholder 2"/>
+          <p:cNvSpPr>
+            <a:spLocks noGrp="1"/>
+          </p:cNvSpPr>
+          <p:nvPr>
+            <p:ph sz="quarter" idx="1"/>
+          </p:nvPr>
+        </p:nvSpPr>
+        <p:spPr/>
+        <p:txBody>
+          <a:bodyPr>
+            <a:normAutofit fontScale="92500"/>
+          </a:bodyPr>
+          <a:lstStyle/>
+          <a:p>
+            <a:r>
+              <a:rPr lang="en-US" dirty="0" err="1" smtClean="0"/>
+              <a:t>Foloseste</a:t>
+            </a:r>
+            <a:r>
+              <a:rPr lang="en-US" dirty="0" smtClean="0"/>
+              <a:t> o imagine a </a:t>
+            </a:r>
+            <a:r>
+              <a:rPr lang="en-US" dirty="0" err="1" smtClean="0"/>
+              <a:t>unei</a:t>
+            </a:r>
+            <a:r>
+              <a:rPr lang="en-US" dirty="0" smtClean="0"/>
+              <a:t> </a:t>
+            </a:r>
+            <a:r>
+              <a:rPr lang="en-US" dirty="0" err="1" smtClean="0"/>
+              <a:t>masini</a:t>
+            </a:r>
+            <a:r>
+              <a:rPr lang="en-US" dirty="0" smtClean="0"/>
+              <a:t> </a:t>
+            </a:r>
+            <a:r>
+              <a:rPr lang="en-US" dirty="0" err="1" smtClean="0"/>
+              <a:t>ca</a:t>
+            </a:r>
+            <a:r>
+              <a:rPr lang="en-US" dirty="0" smtClean="0"/>
+              <a:t> </a:t>
+            </a:r>
+            <a:r>
+              <a:rPr lang="en-US" dirty="0" err="1" smtClean="0"/>
+              <a:t>imaginea</a:t>
+            </a:r>
+            <a:r>
+              <a:rPr lang="en-US" dirty="0" smtClean="0"/>
+              <a:t> de </a:t>
+            </a:r>
+            <a:r>
+              <a:rPr lang="en-US" dirty="0" err="1" smtClean="0"/>
+              <a:t>baza</a:t>
+            </a:r>
+            <a:r>
+              <a:rPr lang="en-US" dirty="0" smtClean="0"/>
+              <a:t> </a:t>
+            </a:r>
+            <a:r>
+              <a:rPr lang="en-US" dirty="0" err="1" smtClean="0"/>
+              <a:t>pentru</a:t>
+            </a:r>
+            <a:r>
+              <a:rPr lang="en-US" dirty="0" smtClean="0"/>
+              <a:t> </a:t>
+            </a:r>
+            <a:r>
+              <a:rPr lang="en-US" dirty="0" err="1" smtClean="0"/>
+              <a:t>masinile</a:t>
+            </a:r>
+            <a:r>
+              <a:rPr lang="en-US" dirty="0" smtClean="0"/>
+              <a:t> create.</a:t>
+            </a:r>
+          </a:p>
+          <a:p>
+            <a:r>
+              <a:rPr lang="en-US" dirty="0" err="1" smtClean="0"/>
+              <a:t>Foloseste</a:t>
+            </a:r>
+            <a:r>
+              <a:rPr lang="en-US" dirty="0" smtClean="0"/>
+              <a:t> </a:t>
+            </a:r>
+            <a:r>
+              <a:rPr lang="en-US" dirty="0" err="1" smtClean="0"/>
+              <a:t>conceptul</a:t>
+            </a:r>
+            <a:r>
+              <a:rPr lang="en-US" dirty="0" smtClean="0"/>
+              <a:t> de “Launch Configuration” </a:t>
+            </a:r>
+            <a:r>
+              <a:rPr lang="en-US" dirty="0" err="1" smtClean="0"/>
+              <a:t>pentru</a:t>
+            </a:r>
+            <a:r>
+              <a:rPr lang="en-US" dirty="0" smtClean="0"/>
+              <a:t> a </a:t>
+            </a:r>
+            <a:r>
+              <a:rPr lang="en-US" dirty="0" err="1" smtClean="0"/>
+              <a:t>descrie</a:t>
+            </a:r>
+            <a:r>
+              <a:rPr lang="en-US" dirty="0" smtClean="0"/>
+              <a:t> </a:t>
+            </a:r>
+            <a:r>
+              <a:rPr lang="en-US" dirty="0" err="1" smtClean="0"/>
+              <a:t>resursele</a:t>
+            </a:r>
+            <a:r>
+              <a:rPr lang="en-US" dirty="0" smtClean="0"/>
+              <a:t> </a:t>
+            </a:r>
+            <a:r>
+              <a:rPr lang="en-US" dirty="0" err="1" smtClean="0"/>
+              <a:t>masinilor</a:t>
+            </a:r>
+            <a:r>
+              <a:rPr lang="en-US" dirty="0" smtClean="0"/>
+              <a:t> care se </a:t>
+            </a:r>
+            <a:r>
+              <a:rPr lang="en-US" dirty="0" err="1" smtClean="0"/>
+              <a:t>vor</a:t>
+            </a:r>
+            <a:r>
+              <a:rPr lang="en-US" dirty="0" smtClean="0"/>
+              <a:t> </a:t>
+            </a:r>
+            <a:r>
+              <a:rPr lang="en-US" dirty="0" err="1" smtClean="0"/>
+              <a:t>crea</a:t>
+            </a:r>
+            <a:r>
+              <a:rPr lang="en-US" dirty="0" smtClean="0"/>
+              <a:t>.</a:t>
+            </a:r>
+          </a:p>
+          <a:p>
+            <a:r>
+              <a:rPr lang="en-US" dirty="0" err="1" smtClean="0"/>
+              <a:t>Folosete</a:t>
+            </a:r>
+            <a:r>
+              <a:rPr lang="en-US" dirty="0" smtClean="0"/>
+              <a:t> </a:t>
+            </a:r>
+            <a:r>
+              <a:rPr lang="en-US" dirty="0" err="1" smtClean="0"/>
+              <a:t>conceptul</a:t>
+            </a:r>
+            <a:r>
+              <a:rPr lang="en-US" dirty="0" smtClean="0"/>
+              <a:t> de “</a:t>
+            </a:r>
+            <a:r>
+              <a:rPr lang="en-US" dirty="0" err="1" smtClean="0"/>
+              <a:t>Autoscaling</a:t>
+            </a:r>
+            <a:r>
+              <a:rPr lang="en-US" dirty="0" smtClean="0"/>
+              <a:t> Group” </a:t>
+            </a:r>
+            <a:r>
+              <a:rPr lang="en-US" dirty="0" err="1" smtClean="0"/>
+              <a:t>pentru</a:t>
+            </a:r>
+            <a:r>
+              <a:rPr lang="en-US" dirty="0" smtClean="0"/>
+              <a:t> a </a:t>
+            </a:r>
+            <a:r>
+              <a:rPr lang="en-US" dirty="0" err="1" smtClean="0"/>
+              <a:t>descrie</a:t>
+            </a:r>
+            <a:r>
+              <a:rPr lang="en-US" dirty="0" smtClean="0"/>
+              <a:t> un </a:t>
+            </a:r>
+            <a:r>
+              <a:rPr lang="en-US" dirty="0" err="1" smtClean="0"/>
+              <a:t>grup</a:t>
+            </a:r>
+            <a:r>
+              <a:rPr lang="en-US" dirty="0" smtClean="0"/>
+              <a:t> de </a:t>
+            </a:r>
+            <a:r>
+              <a:rPr lang="en-US" dirty="0" err="1" smtClean="0"/>
+              <a:t>masini</a:t>
+            </a:r>
+            <a:r>
+              <a:rPr lang="en-US" dirty="0" smtClean="0"/>
+              <a:t> care auto </a:t>
+            </a:r>
+            <a:r>
+              <a:rPr lang="en-US" dirty="0" err="1" smtClean="0"/>
+              <a:t>scaleaza</a:t>
+            </a:r>
+            <a:r>
+              <a:rPr lang="en-US" dirty="0" smtClean="0"/>
+              <a:t>. </a:t>
+            </a:r>
+            <a:r>
+              <a:rPr lang="en-US" dirty="0" err="1" smtClean="0"/>
+              <a:t>Foloseste</a:t>
+            </a:r>
+            <a:r>
+              <a:rPr lang="en-US" dirty="0" smtClean="0"/>
+              <a:t> un </a:t>
+            </a:r>
+            <a:r>
+              <a:rPr lang="en-US" dirty="0" err="1" smtClean="0"/>
+              <a:t>LaunchConfiguration</a:t>
+            </a:r>
+            <a:r>
+              <a:rPr lang="en-US" dirty="0" smtClean="0"/>
+              <a:t> </a:t>
+            </a:r>
+            <a:r>
+              <a:rPr lang="en-US" dirty="0" err="1" smtClean="0"/>
+              <a:t>si</a:t>
+            </a:r>
+            <a:r>
+              <a:rPr lang="en-US" dirty="0" smtClean="0"/>
+              <a:t> </a:t>
+            </a:r>
+            <a:r>
+              <a:rPr lang="en-US" dirty="0" err="1" smtClean="0"/>
+              <a:t>detalii</a:t>
+            </a:r>
+            <a:r>
+              <a:rPr lang="en-US" dirty="0" smtClean="0"/>
+              <a:t> </a:t>
+            </a:r>
+            <a:r>
+              <a:rPr lang="en-US" dirty="0" err="1" smtClean="0"/>
+              <a:t>despre</a:t>
+            </a:r>
+            <a:r>
+              <a:rPr lang="en-US" dirty="0" smtClean="0"/>
+              <a:t> </a:t>
+            </a:r>
+            <a:r>
+              <a:rPr lang="en-US" dirty="0" err="1" smtClean="0"/>
+              <a:t>numarul</a:t>
+            </a:r>
+            <a:r>
+              <a:rPr lang="en-US" dirty="0" smtClean="0"/>
+              <a:t> de </a:t>
+            </a:r>
+            <a:r>
+              <a:rPr lang="en-US" dirty="0" err="1" smtClean="0"/>
+              <a:t>masini</a:t>
+            </a:r>
+            <a:r>
+              <a:rPr lang="en-US" dirty="0" smtClean="0"/>
+              <a:t> din </a:t>
+            </a:r>
+            <a:r>
+              <a:rPr lang="en-US" dirty="0" err="1" smtClean="0"/>
+              <a:t>grup</a:t>
+            </a:r>
+            <a:r>
+              <a:rPr lang="en-US" dirty="0"/>
+              <a:t> </a:t>
+            </a:r>
+            <a:r>
+              <a:rPr lang="en-US" dirty="0" smtClean="0"/>
+              <a:t>etc.</a:t>
+            </a:r>
+          </a:p>
+          <a:p>
+            <a:r>
+              <a:rPr lang="en-US" dirty="0" smtClean="0"/>
+              <a:t>Se pot </a:t>
+            </a:r>
+            <a:r>
+              <a:rPr lang="en-US" dirty="0" err="1" smtClean="0"/>
+              <a:t>crea</a:t>
+            </a:r>
+            <a:r>
+              <a:rPr lang="en-US" dirty="0" smtClean="0"/>
+              <a:t> </a:t>
+            </a:r>
+            <a:r>
+              <a:rPr lang="en-US" dirty="0" err="1" smtClean="0"/>
+              <a:t>politici</a:t>
+            </a:r>
+            <a:r>
+              <a:rPr lang="en-US" dirty="0" smtClean="0"/>
+              <a:t> de </a:t>
+            </a:r>
+            <a:r>
+              <a:rPr lang="en-US" dirty="0" err="1" smtClean="0"/>
+              <a:t>scalare</a:t>
+            </a:r>
+            <a:r>
+              <a:rPr lang="en-US" dirty="0" smtClean="0"/>
+              <a:t> care </a:t>
+            </a:r>
+            <a:r>
+              <a:rPr lang="en-US" dirty="0" err="1" smtClean="0"/>
+              <a:t>descriu</a:t>
+            </a:r>
+            <a:r>
+              <a:rPr lang="en-US" dirty="0" smtClean="0"/>
+              <a:t> cum se </a:t>
+            </a:r>
+            <a:r>
+              <a:rPr lang="en-US" dirty="0" err="1" smtClean="0"/>
+              <a:t>schimba</a:t>
+            </a:r>
+            <a:r>
+              <a:rPr lang="en-US" dirty="0" smtClean="0"/>
+              <a:t> </a:t>
+            </a:r>
+            <a:r>
+              <a:rPr lang="en-US" dirty="0" err="1" smtClean="0"/>
+              <a:t>numarul</a:t>
+            </a:r>
+            <a:r>
+              <a:rPr lang="en-US" dirty="0" smtClean="0"/>
+              <a:t> de </a:t>
+            </a:r>
+            <a:r>
+              <a:rPr lang="en-US" dirty="0" err="1" smtClean="0"/>
+              <a:t>masini</a:t>
+            </a:r>
+            <a:r>
+              <a:rPr lang="en-US" dirty="0" smtClean="0"/>
+              <a:t> din </a:t>
+            </a:r>
+            <a:r>
+              <a:rPr lang="en-US" dirty="0" err="1" smtClean="0"/>
+              <a:t>grup</a:t>
+            </a:r>
+            <a:r>
+              <a:rPr lang="en-US" dirty="0" smtClean="0"/>
+              <a:t>.</a:t>
+            </a:r>
+          </a:p>
+          <a:p>
+            <a:endParaRPr lang="en-US" dirty="0" smtClean="0"/>
+          </a:p>
+        </p:txBody>
+      </p:sp>
+    </p:spTree>
+    <p:extLst>
+      <p:ext uri="{BB962C8B-B14F-4D97-AF65-F5344CB8AC3E}">
+        <p14:creationId xmlns:p14="http://schemas.microsoft.com/office/powerpoint/2010/main" val="2997461241"/>
+      </p:ext>
+    </p:extLst>
+  </p:cSld>
+  <p:clrMapOvr>
+    <a:masterClrMapping/>
+  </p:clrMapOvr>
+</p:sld>
+</file>
+
+<file path=ppt/slides/slide34.xml><?xml version="1.0" encoding="utf-8"?>
+<p:sld xmlns:a="http://schemas.openxmlformats.org/drawingml/2006/main" xmlns:r="http://schemas.openxmlformats.org/officeDocument/2006/relationships" xmlns:p="http://schemas.openxmlformats.org/presentationml/2006/main">
+  <p:cSld>
+    <p:spTree>
+      <p:nvGrpSpPr>
+        <p:cNvPr id="1" name=""/>
+        <p:cNvGrpSpPr/>
+        <p:nvPr/>
+      </p:nvGrpSpPr>
+      <p:grpSpPr>
+        <a:xfrm>
+          <a:off x="0" y="0"/>
+          <a:ext cx="0" cy="0"/>
+          <a:chOff x="0" y="0"/>
+          <a:chExt cx="0" cy="0"/>
+        </a:xfrm>
+      </p:grpSpPr>
+      <p:sp>
+        <p:nvSpPr>
+          <p:cNvPr id="2" name="Title 1"/>
+          <p:cNvSpPr>
+            <a:spLocks noGrp="1"/>
+          </p:cNvSpPr>
+          <p:nvPr>
+            <p:ph type="title"/>
+          </p:nvPr>
+        </p:nvSpPr>
+        <p:spPr/>
+        <p:txBody>
+          <a:bodyPr/>
+          <a:lstStyle/>
+          <a:p>
+            <a:r>
+              <a:rPr lang="en-US" dirty="0" err="1" smtClean="0"/>
               <a:t>Intrebari</a:t>
             </a:r>
             <a:endParaRPr lang="en-US" dirty="0"/>
